--- a/스토리보드/4학년/1차/박만구/suh_p_0402_01_0001_v3.pptx
+++ b/스토리보드/4학년/1차/박만구/suh_p_0402_01_0001_v3.pptx
@@ -155,7 +155,7 @@
   </p:defaultTextStyle>
   <p:extLst>
     <p:ext uri="{EFAFB233-063F-42B5-8137-9DF3F51BA10A}">
-      <p15:sldGuideLst xmlns="" xmlns:p15="http://schemas.microsoft.com/office/powerpoint/2012/main">
+      <p15:sldGuideLst xmlns:p15="http://schemas.microsoft.com/office/powerpoint/2012/main" xmlns="">
         <p15:guide id="1" orient="horz" pos="4292">
           <p15:clr>
             <a:srgbClr val="A4A3A4"/>
@@ -169,7 +169,7 @@
       </p15:sldGuideLst>
     </p:ext>
     <p:ext uri="{2D200454-40CA-4A62-9FC3-DE9A4176ACB9}">
-      <p15:notesGuideLst xmlns="" xmlns:p15="http://schemas.microsoft.com/office/powerpoint/2012/main">
+      <p15:notesGuideLst xmlns:p15="http://schemas.microsoft.com/office/powerpoint/2012/main" xmlns="">
         <p15:guide id="1" orient="horz" pos="3127">
           <p15:clr>
             <a:srgbClr val="A4A3A4"/>
@@ -1923,14 +1923,14 @@
                 <a:gridCol w="6938661">
                   <a:extLst>
                     <a:ext uri="{9D8B030D-6E8A-4147-A177-3AD203B41FA5}">
-                      <a16:colId xmlns="" xmlns:a16="http://schemas.microsoft.com/office/drawing/2014/main" val="20000"/>
+                      <a16:colId xmlns:a16="http://schemas.microsoft.com/office/drawing/2014/main" xmlns="" val="20000"/>
                     </a:ext>
                   </a:extLst>
                 </a:gridCol>
                 <a:gridCol w="2124376">
                   <a:extLst>
                     <a:ext uri="{9D8B030D-6E8A-4147-A177-3AD203B41FA5}">
-                      <a16:colId xmlns="" xmlns:a16="http://schemas.microsoft.com/office/drawing/2014/main" val="20001"/>
+                      <a16:colId xmlns:a16="http://schemas.microsoft.com/office/drawing/2014/main" xmlns="" val="20001"/>
                     </a:ext>
                   </a:extLst>
                 </a:gridCol>
@@ -2113,7 +2113,7 @@
                 </a:tc>
                 <a:extLst>
                   <a:ext uri="{0D108BD9-81ED-4DB2-BD59-A6C34878D82A}">
-                    <a16:rowId xmlns="" xmlns:a16="http://schemas.microsoft.com/office/drawing/2014/main" val="10000"/>
+                    <a16:rowId xmlns:a16="http://schemas.microsoft.com/office/drawing/2014/main" xmlns="" val="10000"/>
                   </a:ext>
                 </a:extLst>
               </a:tr>
@@ -2141,56 +2141,56 @@
                 <a:gridCol w="780574">
                   <a:extLst>
                     <a:ext uri="{9D8B030D-6E8A-4147-A177-3AD203B41FA5}">
-                      <a16:colId xmlns="" xmlns:a16="http://schemas.microsoft.com/office/drawing/2014/main" val="20000"/>
+                      <a16:colId xmlns:a16="http://schemas.microsoft.com/office/drawing/2014/main" xmlns="" val="20000"/>
                     </a:ext>
                   </a:extLst>
                 </a:gridCol>
                 <a:gridCol w="889949">
                   <a:extLst>
                     <a:ext uri="{9D8B030D-6E8A-4147-A177-3AD203B41FA5}">
-                      <a16:colId xmlns="" xmlns:a16="http://schemas.microsoft.com/office/drawing/2014/main" val="20001"/>
+                      <a16:colId xmlns:a16="http://schemas.microsoft.com/office/drawing/2014/main" xmlns="" val="20001"/>
                     </a:ext>
                   </a:extLst>
                 </a:gridCol>
                 <a:gridCol w="540056">
                   <a:extLst>
                     <a:ext uri="{9D8B030D-6E8A-4147-A177-3AD203B41FA5}">
-                      <a16:colId xmlns="" xmlns:a16="http://schemas.microsoft.com/office/drawing/2014/main" val="20002"/>
+                      <a16:colId xmlns:a16="http://schemas.microsoft.com/office/drawing/2014/main" xmlns="" val="20002"/>
                     </a:ext>
                   </a:extLst>
                 </a:gridCol>
                 <a:gridCol w="2772323">
                   <a:extLst>
                     <a:ext uri="{9D8B030D-6E8A-4147-A177-3AD203B41FA5}">
-                      <a16:colId xmlns="" xmlns:a16="http://schemas.microsoft.com/office/drawing/2014/main" val="20003"/>
+                      <a16:colId xmlns:a16="http://schemas.microsoft.com/office/drawing/2014/main" xmlns="" val="20003"/>
                     </a:ext>
                   </a:extLst>
                 </a:gridCol>
                 <a:gridCol w="648072">
                   <a:extLst>
                     <a:ext uri="{9D8B030D-6E8A-4147-A177-3AD203B41FA5}">
-                      <a16:colId xmlns="" xmlns:a16="http://schemas.microsoft.com/office/drawing/2014/main" val="20004"/>
+                      <a16:colId xmlns:a16="http://schemas.microsoft.com/office/drawing/2014/main" xmlns="" val="20004"/>
                     </a:ext>
                   </a:extLst>
                 </a:gridCol>
                 <a:gridCol w="1330199">
                   <a:extLst>
                     <a:ext uri="{9D8B030D-6E8A-4147-A177-3AD203B41FA5}">
-                      <a16:colId xmlns="" xmlns:a16="http://schemas.microsoft.com/office/drawing/2014/main" val="20005"/>
+                      <a16:colId xmlns:a16="http://schemas.microsoft.com/office/drawing/2014/main" xmlns="" val="20005"/>
                     </a:ext>
                   </a:extLst>
                 </a:gridCol>
                 <a:gridCol w="730255">
                   <a:extLst>
                     <a:ext uri="{9D8B030D-6E8A-4147-A177-3AD203B41FA5}">
-                      <a16:colId xmlns="" xmlns:a16="http://schemas.microsoft.com/office/drawing/2014/main" val="20006"/>
+                      <a16:colId xmlns:a16="http://schemas.microsoft.com/office/drawing/2014/main" xmlns="" val="20006"/>
                     </a:ext>
                   </a:extLst>
                 </a:gridCol>
                 <a:gridCol w="1350972">
                   <a:extLst>
                     <a:ext uri="{9D8B030D-6E8A-4147-A177-3AD203B41FA5}">
-                      <a16:colId xmlns="" xmlns:a16="http://schemas.microsoft.com/office/drawing/2014/main" val="20007"/>
+                      <a16:colId xmlns:a16="http://schemas.microsoft.com/office/drawing/2014/main" xmlns="" val="20007"/>
                     </a:ext>
                   </a:extLst>
                 </a:gridCol>
@@ -2795,7 +2795,7 @@
                 </a:tc>
                 <a:extLst>
                   <a:ext uri="{0D108BD9-81ED-4DB2-BD59-A6C34878D82A}">
-                    <a16:rowId xmlns="" xmlns:a16="http://schemas.microsoft.com/office/drawing/2014/main" val="10000"/>
+                    <a16:rowId xmlns:a16="http://schemas.microsoft.com/office/drawing/2014/main" xmlns="" val="10000"/>
                   </a:ext>
                 </a:extLst>
               </a:tr>
@@ -3260,7 +3260,7 @@
                 </a:tc>
                 <a:extLst>
                   <a:ext uri="{0D108BD9-81ED-4DB2-BD59-A6C34878D82A}">
-                    <a16:rowId xmlns="" xmlns:a16="http://schemas.microsoft.com/office/drawing/2014/main" val="10001"/>
+                    <a16:rowId xmlns:a16="http://schemas.microsoft.com/office/drawing/2014/main" xmlns="" val="10001"/>
                   </a:ext>
                 </a:extLst>
               </a:tr>
@@ -3334,7 +3334,7 @@
                 <a:gridCol w="6923853">
                   <a:extLst>
                     <a:ext uri="{9D8B030D-6E8A-4147-A177-3AD203B41FA5}">
-                      <a16:colId xmlns="" xmlns:a16="http://schemas.microsoft.com/office/drawing/2014/main" val="20000"/>
+                      <a16:colId xmlns:a16="http://schemas.microsoft.com/office/drawing/2014/main" xmlns="" val="20000"/>
                     </a:ext>
                   </a:extLst>
                 </a:gridCol>
@@ -3394,7 +3394,7 @@
                 </a:tc>
                 <a:extLst>
                   <a:ext uri="{0D108BD9-81ED-4DB2-BD59-A6C34878D82A}">
-                    <a16:rowId xmlns="" xmlns:a16="http://schemas.microsoft.com/office/drawing/2014/main" val="10000"/>
+                    <a16:rowId xmlns:a16="http://schemas.microsoft.com/office/drawing/2014/main" xmlns="" val="10000"/>
                   </a:ext>
                 </a:extLst>
               </a:tr>
@@ -3422,7 +3422,7 @@
                 <a:gridCol w="576263">
                   <a:extLst>
                     <a:ext uri="{9D8B030D-6E8A-4147-A177-3AD203B41FA5}">
-                      <a16:colId xmlns="" xmlns:a16="http://schemas.microsoft.com/office/drawing/2014/main" val="20000"/>
+                      <a16:colId xmlns:a16="http://schemas.microsoft.com/office/drawing/2014/main" xmlns="" val="20000"/>
                     </a:ext>
                   </a:extLst>
                 </a:gridCol>
@@ -3529,7 +3529,7 @@
                 </a:tc>
                 <a:extLst>
                   <a:ext uri="{0D108BD9-81ED-4DB2-BD59-A6C34878D82A}">
-                    <a16:rowId xmlns="" xmlns:a16="http://schemas.microsoft.com/office/drawing/2014/main" val="10000"/>
+                    <a16:rowId xmlns:a16="http://schemas.microsoft.com/office/drawing/2014/main" xmlns="" val="10000"/>
                   </a:ext>
                 </a:extLst>
               </a:tr>
@@ -4137,42 +4137,42 @@
                 <a:gridCol w="423863">
                   <a:extLst>
                     <a:ext uri="{9D8B030D-6E8A-4147-A177-3AD203B41FA5}">
-                      <a16:colId xmlns="" xmlns:a16="http://schemas.microsoft.com/office/drawing/2014/main" val="20000"/>
+                      <a16:colId xmlns:a16="http://schemas.microsoft.com/office/drawing/2014/main" xmlns="" val="20000"/>
                     </a:ext>
                   </a:extLst>
                 </a:gridCol>
                 <a:gridCol w="560387">
                   <a:extLst>
                     <a:ext uri="{9D8B030D-6E8A-4147-A177-3AD203B41FA5}">
-                      <a16:colId xmlns="" xmlns:a16="http://schemas.microsoft.com/office/drawing/2014/main" val="20001"/>
+                      <a16:colId xmlns:a16="http://schemas.microsoft.com/office/drawing/2014/main" xmlns="" val="20001"/>
                     </a:ext>
                   </a:extLst>
                 </a:gridCol>
                 <a:gridCol w="984250">
                   <a:extLst>
                     <a:ext uri="{9D8B030D-6E8A-4147-A177-3AD203B41FA5}">
-                      <a16:colId xmlns="" xmlns:a16="http://schemas.microsoft.com/office/drawing/2014/main" val="20002"/>
+                      <a16:colId xmlns:a16="http://schemas.microsoft.com/office/drawing/2014/main" xmlns="" val="20002"/>
                     </a:ext>
                   </a:extLst>
                 </a:gridCol>
                 <a:gridCol w="4926013">
                   <a:extLst>
                     <a:ext uri="{9D8B030D-6E8A-4147-A177-3AD203B41FA5}">
-                      <a16:colId xmlns="" xmlns:a16="http://schemas.microsoft.com/office/drawing/2014/main" val="20003"/>
+                      <a16:colId xmlns:a16="http://schemas.microsoft.com/office/drawing/2014/main" xmlns="" val="20003"/>
                     </a:ext>
                   </a:extLst>
                 </a:gridCol>
                 <a:gridCol w="1243012">
                   <a:extLst>
                     <a:ext uri="{9D8B030D-6E8A-4147-A177-3AD203B41FA5}">
-                      <a16:colId xmlns="" xmlns:a16="http://schemas.microsoft.com/office/drawing/2014/main" val="20004"/>
+                      <a16:colId xmlns:a16="http://schemas.microsoft.com/office/drawing/2014/main" xmlns="" val="20004"/>
                     </a:ext>
                   </a:extLst>
                 </a:gridCol>
                 <a:gridCol w="792163">
                   <a:extLst>
                     <a:ext uri="{9D8B030D-6E8A-4147-A177-3AD203B41FA5}">
-                      <a16:colId xmlns="" xmlns:a16="http://schemas.microsoft.com/office/drawing/2014/main" val="20005"/>
+                      <a16:colId xmlns:a16="http://schemas.microsoft.com/office/drawing/2014/main" xmlns="" val="20005"/>
                     </a:ext>
                   </a:extLst>
                 </a:gridCol>
@@ -4760,7 +4760,7 @@
                 </a:tc>
                 <a:extLst>
                   <a:ext uri="{0D108BD9-81ED-4DB2-BD59-A6C34878D82A}">
-                    <a16:rowId xmlns="" xmlns:a16="http://schemas.microsoft.com/office/drawing/2014/main" val="10000"/>
+                    <a16:rowId xmlns:a16="http://schemas.microsoft.com/office/drawing/2014/main" xmlns="" val="10000"/>
                   </a:ext>
                 </a:extLst>
               </a:tr>
@@ -5273,7 +5273,7 @@
                 </a:tc>
                 <a:extLst>
                   <a:ext uri="{0D108BD9-81ED-4DB2-BD59-A6C34878D82A}">
-                    <a16:rowId xmlns="" xmlns:a16="http://schemas.microsoft.com/office/drawing/2014/main" val="10001"/>
+                    <a16:rowId xmlns:a16="http://schemas.microsoft.com/office/drawing/2014/main" xmlns="" val="10001"/>
                   </a:ext>
                 </a:extLst>
               </a:tr>
@@ -5811,7 +5811,7 @@
                 </a:tc>
                 <a:extLst>
                   <a:ext uri="{0D108BD9-81ED-4DB2-BD59-A6C34878D82A}">
-                    <a16:rowId xmlns="" xmlns:a16="http://schemas.microsoft.com/office/drawing/2014/main" val="10002"/>
+                    <a16:rowId xmlns:a16="http://schemas.microsoft.com/office/drawing/2014/main" xmlns="" val="10002"/>
                   </a:ext>
                 </a:extLst>
               </a:tr>
@@ -6338,7 +6338,7 @@
                 </a:tc>
                 <a:extLst>
                   <a:ext uri="{0D108BD9-81ED-4DB2-BD59-A6C34878D82A}">
-                    <a16:rowId xmlns="" xmlns:a16="http://schemas.microsoft.com/office/drawing/2014/main" val="10003"/>
+                    <a16:rowId xmlns:a16="http://schemas.microsoft.com/office/drawing/2014/main" xmlns="" val="10003"/>
                   </a:ext>
                 </a:extLst>
               </a:tr>
@@ -6899,7 +6899,7 @@
                 </a:tc>
                 <a:extLst>
                   <a:ext uri="{0D108BD9-81ED-4DB2-BD59-A6C34878D82A}">
-                    <a16:rowId xmlns="" xmlns:a16="http://schemas.microsoft.com/office/drawing/2014/main" val="10004"/>
+                    <a16:rowId xmlns:a16="http://schemas.microsoft.com/office/drawing/2014/main" xmlns="" val="10004"/>
                   </a:ext>
                 </a:extLst>
               </a:tr>
@@ -7018,17 +7018,6 @@
                         </a:rPr>
                         <a:t>V 3.0</a:t>
                       </a:r>
-                      <a:endParaRPr kumimoji="0" lang="en-US" altLang="ko-KR" sz="1000" b="0" i="0" u="none" strike="noStrike" cap="none" normalizeH="0" baseline="0" dirty="0" smtClean="0">
-                        <a:ln>
-                          <a:noFill/>
-                        </a:ln>
-                        <a:solidFill>
-                          <a:schemeClr val="tx1"/>
-                        </a:solidFill>
-                        <a:effectLst/>
-                        <a:latin typeface="맑은 고딕" pitchFamily="50" charset="-127"/>
-                        <a:ea typeface="맑은 고딕" pitchFamily="50" charset="-127"/>
-                      </a:endParaRPr>
                     </a:p>
                   </a:txBody>
                   <a:tcPr marL="54000" marR="54000" marT="36000" marB="36000" anchor="ctr" horzOverflow="overflow">
@@ -7114,17 +7103,6 @@
                         </a:rPr>
                         <a:t>2022.05.10</a:t>
                       </a:r>
-                      <a:endParaRPr kumimoji="0" lang="en-US" altLang="ko-KR" sz="1000" b="0" i="0" u="none" strike="noStrike" cap="none" normalizeH="0" baseline="0" dirty="0" smtClean="0">
-                        <a:ln>
-                          <a:noFill/>
-                        </a:ln>
-                        <a:solidFill>
-                          <a:schemeClr val="tx1"/>
-                        </a:solidFill>
-                        <a:effectLst/>
-                        <a:latin typeface="맑은 고딕" pitchFamily="50" charset="-127"/>
-                        <a:ea typeface="맑은 고딕" pitchFamily="50" charset="-127"/>
-                      </a:endParaRPr>
                     </a:p>
                   </a:txBody>
                   <a:tcPr marL="54000" marR="54000" marT="36000" marB="36000" anchor="ctr" horzOverflow="overflow">
@@ -7320,17 +7298,6 @@
                         </a:rPr>
                         <a:t>오승태</a:t>
                       </a:r>
-                      <a:endParaRPr kumimoji="0" lang="ko-KR" altLang="en-US" sz="1000" b="0" i="0" u="none" strike="noStrike" cap="none" normalizeH="0" baseline="0" dirty="0" smtClean="0">
-                        <a:ln>
-                          <a:noFill/>
-                        </a:ln>
-                        <a:solidFill>
-                          <a:schemeClr val="tx1"/>
-                        </a:solidFill>
-                        <a:effectLst/>
-                        <a:latin typeface="맑은 고딕" pitchFamily="50" charset="-127"/>
-                        <a:ea typeface="맑은 고딕" pitchFamily="50" charset="-127"/>
-                      </a:endParaRPr>
                     </a:p>
                   </a:txBody>
                   <a:tcPr marL="54000" marR="54000" marT="36000" marB="36000" anchor="ctr" horzOverflow="overflow">
@@ -7459,7 +7426,7 @@
                 </a:tc>
                 <a:extLst>
                   <a:ext uri="{0D108BD9-81ED-4DB2-BD59-A6C34878D82A}">
-                    <a16:rowId xmlns="" xmlns:a16="http://schemas.microsoft.com/office/drawing/2014/main" val="10005"/>
+                    <a16:rowId xmlns:a16="http://schemas.microsoft.com/office/drawing/2014/main" xmlns="" val="10005"/>
                   </a:ext>
                 </a:extLst>
               </a:tr>
@@ -7949,7 +7916,7 @@
                 </a:tc>
                 <a:extLst>
                   <a:ext uri="{0D108BD9-81ED-4DB2-BD59-A6C34878D82A}">
-                    <a16:rowId xmlns="" xmlns:a16="http://schemas.microsoft.com/office/drawing/2014/main" val="10006"/>
+                    <a16:rowId xmlns:a16="http://schemas.microsoft.com/office/drawing/2014/main" xmlns="" val="10006"/>
                   </a:ext>
                 </a:extLst>
               </a:tr>
@@ -8439,7 +8406,7 @@
                 </a:tc>
                 <a:extLst>
                   <a:ext uri="{0D108BD9-81ED-4DB2-BD59-A6C34878D82A}">
-                    <a16:rowId xmlns="" xmlns:a16="http://schemas.microsoft.com/office/drawing/2014/main" val="10007"/>
+                    <a16:rowId xmlns:a16="http://schemas.microsoft.com/office/drawing/2014/main" xmlns="" val="10007"/>
                   </a:ext>
                 </a:extLst>
               </a:tr>
@@ -8940,7 +8907,7 @@
                 </a:tc>
                 <a:extLst>
                   <a:ext uri="{0D108BD9-81ED-4DB2-BD59-A6C34878D82A}">
-                    <a16:rowId xmlns="" xmlns:a16="http://schemas.microsoft.com/office/drawing/2014/main" val="10008"/>
+                    <a16:rowId xmlns:a16="http://schemas.microsoft.com/office/drawing/2014/main" xmlns="" val="10008"/>
                   </a:ext>
                 </a:extLst>
               </a:tr>
@@ -9441,7 +9408,7 @@
                 </a:tc>
                 <a:extLst>
                   <a:ext uri="{0D108BD9-81ED-4DB2-BD59-A6C34878D82A}">
-                    <a16:rowId xmlns="" xmlns:a16="http://schemas.microsoft.com/office/drawing/2014/main" val="10009"/>
+                    <a16:rowId xmlns:a16="http://schemas.microsoft.com/office/drawing/2014/main" xmlns="" val="10009"/>
                   </a:ext>
                 </a:extLst>
               </a:tr>
@@ -9942,7 +9909,7 @@
                 </a:tc>
                 <a:extLst>
                   <a:ext uri="{0D108BD9-81ED-4DB2-BD59-A6C34878D82A}">
-                    <a16:rowId xmlns="" xmlns:a16="http://schemas.microsoft.com/office/drawing/2014/main" val="10010"/>
+                    <a16:rowId xmlns:a16="http://schemas.microsoft.com/office/drawing/2014/main" xmlns="" val="10010"/>
                   </a:ext>
                 </a:extLst>
               </a:tr>
@@ -10443,7 +10410,7 @@
                 </a:tc>
                 <a:extLst>
                   <a:ext uri="{0D108BD9-81ED-4DB2-BD59-A6C34878D82A}">
-                    <a16:rowId xmlns="" xmlns:a16="http://schemas.microsoft.com/office/drawing/2014/main" val="10011"/>
+                    <a16:rowId xmlns:a16="http://schemas.microsoft.com/office/drawing/2014/main" xmlns="" val="10011"/>
                   </a:ext>
                 </a:extLst>
               </a:tr>
@@ -10477,14 +10444,14 @@
                 <a:gridCol w="1319212">
                   <a:extLst>
                     <a:ext uri="{9D8B030D-6E8A-4147-A177-3AD203B41FA5}">
-                      <a16:colId xmlns="" xmlns:a16="http://schemas.microsoft.com/office/drawing/2014/main" val="20000"/>
+                      <a16:colId xmlns:a16="http://schemas.microsoft.com/office/drawing/2014/main" xmlns="" val="20000"/>
                     </a:ext>
                   </a:extLst>
                 </a:gridCol>
                 <a:gridCol w="1317625">
                   <a:extLst>
                     <a:ext uri="{9D8B030D-6E8A-4147-A177-3AD203B41FA5}">
-                      <a16:colId xmlns="" xmlns:a16="http://schemas.microsoft.com/office/drawing/2014/main" val="20001"/>
+                      <a16:colId xmlns:a16="http://schemas.microsoft.com/office/drawing/2014/main" xmlns="" val="20001"/>
                     </a:ext>
                   </a:extLst>
                 </a:gridCol>
@@ -10669,7 +10636,7 @@
                 </a:tc>
                 <a:extLst>
                   <a:ext uri="{0D108BD9-81ED-4DB2-BD59-A6C34878D82A}">
-                    <a16:rowId xmlns="" xmlns:a16="http://schemas.microsoft.com/office/drawing/2014/main" val="10000"/>
+                    <a16:rowId xmlns:a16="http://schemas.microsoft.com/office/drawing/2014/main" xmlns="" val="10000"/>
                   </a:ext>
                 </a:extLst>
               </a:tr>
@@ -10854,7 +10821,7 @@
                 </a:tc>
                 <a:extLst>
                   <a:ext uri="{0D108BD9-81ED-4DB2-BD59-A6C34878D82A}">
-                    <a16:rowId xmlns="" xmlns:a16="http://schemas.microsoft.com/office/drawing/2014/main" val="10001"/>
+                    <a16:rowId xmlns:a16="http://schemas.microsoft.com/office/drawing/2014/main" xmlns="" val="10001"/>
                   </a:ext>
                 </a:extLst>
               </a:tr>
@@ -10943,14 +10910,14 @@
                 <a:gridCol w="1764767">
                   <a:extLst>
                     <a:ext uri="{9D8B030D-6E8A-4147-A177-3AD203B41FA5}">
-                      <a16:colId xmlns="" xmlns:a16="http://schemas.microsoft.com/office/drawing/2014/main" val="20000"/>
+                      <a16:colId xmlns:a16="http://schemas.microsoft.com/office/drawing/2014/main" xmlns="" val="20000"/>
                     </a:ext>
                   </a:extLst>
                 </a:gridCol>
                 <a:gridCol w="4499508">
                   <a:extLst>
                     <a:ext uri="{9D8B030D-6E8A-4147-A177-3AD203B41FA5}">
-                      <a16:colId xmlns="" xmlns:a16="http://schemas.microsoft.com/office/drawing/2014/main" val="20001"/>
+                      <a16:colId xmlns:a16="http://schemas.microsoft.com/office/drawing/2014/main" xmlns="" val="20001"/>
                     </a:ext>
                   </a:extLst>
                 </a:gridCol>
@@ -11216,7 +11183,7 @@
                 </a:tc>
                 <a:extLst>
                   <a:ext uri="{0D108BD9-81ED-4DB2-BD59-A6C34878D82A}">
-                    <a16:rowId xmlns="" xmlns:a16="http://schemas.microsoft.com/office/drawing/2014/main" val="10000"/>
+                    <a16:rowId xmlns:a16="http://schemas.microsoft.com/office/drawing/2014/main" xmlns="" val="10000"/>
                   </a:ext>
                 </a:extLst>
               </a:tr>
@@ -11403,7 +11370,7 @@
                 </a:tc>
                 <a:extLst>
                   <a:ext uri="{0D108BD9-81ED-4DB2-BD59-A6C34878D82A}">
-                    <a16:rowId xmlns="" xmlns:a16="http://schemas.microsoft.com/office/drawing/2014/main" val="10001"/>
+                    <a16:rowId xmlns:a16="http://schemas.microsoft.com/office/drawing/2014/main" xmlns="" val="10001"/>
                   </a:ext>
                 </a:extLst>
               </a:tr>
@@ -11588,7 +11555,7 @@
                 </a:tc>
                 <a:extLst>
                   <a:ext uri="{0D108BD9-81ED-4DB2-BD59-A6C34878D82A}">
-                    <a16:rowId xmlns="" xmlns:a16="http://schemas.microsoft.com/office/drawing/2014/main" val="10002"/>
+                    <a16:rowId xmlns:a16="http://schemas.microsoft.com/office/drawing/2014/main" xmlns="" val="10002"/>
                   </a:ext>
                 </a:extLst>
               </a:tr>
@@ -11863,7 +11830,7 @@
                 <a:gridCol w="2016125">
                   <a:extLst>
                     <a:ext uri="{9D8B030D-6E8A-4147-A177-3AD203B41FA5}">
-                      <a16:colId xmlns="" xmlns:a16="http://schemas.microsoft.com/office/drawing/2014/main" val="20000"/>
+                      <a16:colId xmlns:a16="http://schemas.microsoft.com/office/drawing/2014/main" xmlns="" val="20000"/>
                     </a:ext>
                   </a:extLst>
                 </a:gridCol>
@@ -11967,7 +11934,7 @@
                 </a:tc>
                 <a:extLst>
                   <a:ext uri="{0D108BD9-81ED-4DB2-BD59-A6C34878D82A}">
-                    <a16:rowId xmlns="" xmlns:a16="http://schemas.microsoft.com/office/drawing/2014/main" val="10000"/>
+                    <a16:rowId xmlns:a16="http://schemas.microsoft.com/office/drawing/2014/main" xmlns="" val="10000"/>
                   </a:ext>
                 </a:extLst>
               </a:tr>
@@ -12273,14 +12240,14 @@
                 <a:gridCol w="270437">
                   <a:extLst>
                     <a:ext uri="{9D8B030D-6E8A-4147-A177-3AD203B41FA5}">
-                      <a16:colId xmlns="" xmlns:a16="http://schemas.microsoft.com/office/drawing/2014/main" val="20000"/>
+                      <a16:colId xmlns:a16="http://schemas.microsoft.com/office/drawing/2014/main" xmlns="" val="20000"/>
                     </a:ext>
                   </a:extLst>
                 </a:gridCol>
                 <a:gridCol w="1837598">
                   <a:extLst>
                     <a:ext uri="{9D8B030D-6E8A-4147-A177-3AD203B41FA5}">
-                      <a16:colId xmlns="" xmlns:a16="http://schemas.microsoft.com/office/drawing/2014/main" val="20001"/>
+                      <a16:colId xmlns:a16="http://schemas.microsoft.com/office/drawing/2014/main" xmlns="" val="20001"/>
                     </a:ext>
                   </a:extLst>
                 </a:gridCol>
@@ -12516,13 +12483,6 @@
                         </a:rPr>
                         <a:t>4-2-1\Links</a:t>
                       </a:r>
-                      <a:endParaRPr kumimoji="0" lang="en-US" altLang="ko-KR" sz="1000" dirty="0" smtClean="0">
-                        <a:solidFill>
-                          <a:schemeClr val="tx1"/>
-                        </a:solidFill>
-                        <a:latin typeface="맑은 고딕" pitchFamily="50" charset="-127"/>
-                        <a:ea typeface="맑은 고딕" pitchFamily="50" charset="-127"/>
-                      </a:endParaRPr>
                     </a:p>
                   </a:txBody>
                   <a:tcPr marL="72000" marR="0" marT="0" marB="0" anchor="ctr" horzOverflow="overflow">
@@ -12569,7 +12529,7 @@
                 </a:tc>
                 <a:extLst>
                   <a:ext uri="{0D108BD9-81ED-4DB2-BD59-A6C34878D82A}">
-                    <a16:rowId xmlns="" xmlns:a16="http://schemas.microsoft.com/office/drawing/2014/main" val="10000"/>
+                    <a16:rowId xmlns:a16="http://schemas.microsoft.com/office/drawing/2014/main" xmlns="" val="10000"/>
                   </a:ext>
                 </a:extLst>
               </a:tr>
@@ -12603,14 +12563,14 @@
                 <a:gridCol w="270437">
                   <a:extLst>
                     <a:ext uri="{9D8B030D-6E8A-4147-A177-3AD203B41FA5}">
-                      <a16:colId xmlns="" xmlns:a16="http://schemas.microsoft.com/office/drawing/2014/main" val="20000"/>
+                      <a16:colId xmlns:a16="http://schemas.microsoft.com/office/drawing/2014/main" xmlns="" val="20000"/>
                     </a:ext>
                   </a:extLst>
                 </a:gridCol>
                 <a:gridCol w="1837598">
                   <a:extLst>
                     <a:ext uri="{9D8B030D-6E8A-4147-A177-3AD203B41FA5}">
-                      <a16:colId xmlns="" xmlns:a16="http://schemas.microsoft.com/office/drawing/2014/main" val="20001"/>
+                      <a16:colId xmlns:a16="http://schemas.microsoft.com/office/drawing/2014/main" xmlns="" val="20001"/>
                     </a:ext>
                   </a:extLst>
                 </a:gridCol>
@@ -12895,7 +12855,7 @@
                 </a:tc>
                 <a:extLst>
                   <a:ext uri="{0D108BD9-81ED-4DB2-BD59-A6C34878D82A}">
-                    <a16:rowId xmlns="" xmlns:a16="http://schemas.microsoft.com/office/drawing/2014/main" val="10000"/>
+                    <a16:rowId xmlns:a16="http://schemas.microsoft.com/office/drawing/2014/main" xmlns="" val="10000"/>
                   </a:ext>
                 </a:extLst>
               </a:tr>
@@ -13587,7 +13547,7 @@
                 <a:gridCol w="2016125">
                   <a:extLst>
                     <a:ext uri="{9D8B030D-6E8A-4147-A177-3AD203B41FA5}">
-                      <a16:colId xmlns="" xmlns:a16="http://schemas.microsoft.com/office/drawing/2014/main" val="20000"/>
+                      <a16:colId xmlns:a16="http://schemas.microsoft.com/office/drawing/2014/main" xmlns="" val="20000"/>
                     </a:ext>
                   </a:extLst>
                 </a:gridCol>
@@ -13691,7 +13651,7 @@
                 </a:tc>
                 <a:extLst>
                   <a:ext uri="{0D108BD9-81ED-4DB2-BD59-A6C34878D82A}">
-                    <a16:rowId xmlns="" xmlns:a16="http://schemas.microsoft.com/office/drawing/2014/main" val="10000"/>
+                    <a16:rowId xmlns:a16="http://schemas.microsoft.com/office/drawing/2014/main" xmlns="" val="10000"/>
                   </a:ext>
                 </a:extLst>
               </a:tr>
@@ -14338,7 +14298,7 @@
                 <a:gridCol w="2016125">
                   <a:extLst>
                     <a:ext uri="{9D8B030D-6E8A-4147-A177-3AD203B41FA5}">
-                      <a16:colId xmlns="" xmlns:a16="http://schemas.microsoft.com/office/drawing/2014/main" val="20000"/>
+                      <a16:colId xmlns:a16="http://schemas.microsoft.com/office/drawing/2014/main" xmlns="" val="20000"/>
                     </a:ext>
                   </a:extLst>
                 </a:gridCol>
@@ -14442,7 +14402,7 @@
                 </a:tc>
                 <a:extLst>
                   <a:ext uri="{0D108BD9-81ED-4DB2-BD59-A6C34878D82A}">
-                    <a16:rowId xmlns="" xmlns:a16="http://schemas.microsoft.com/office/drawing/2014/main" val="10000"/>
+                    <a16:rowId xmlns:a16="http://schemas.microsoft.com/office/drawing/2014/main" xmlns="" val="10000"/>
                   </a:ext>
                 </a:extLst>
               </a:tr>
@@ -15271,7 +15231,7 @@
                 <a:gridCol w="2016125">
                   <a:extLst>
                     <a:ext uri="{9D8B030D-6E8A-4147-A177-3AD203B41FA5}">
-                      <a16:colId xmlns="" xmlns:a16="http://schemas.microsoft.com/office/drawing/2014/main" val="20000"/>
+                      <a16:colId xmlns:a16="http://schemas.microsoft.com/office/drawing/2014/main" xmlns="" val="20000"/>
                     </a:ext>
                   </a:extLst>
                 </a:gridCol>
@@ -15375,7 +15335,7 @@
                 </a:tc>
                 <a:extLst>
                   <a:ext uri="{0D108BD9-81ED-4DB2-BD59-A6C34878D82A}">
-                    <a16:rowId xmlns="" xmlns:a16="http://schemas.microsoft.com/office/drawing/2014/main" val="10000"/>
+                    <a16:rowId xmlns:a16="http://schemas.microsoft.com/office/drawing/2014/main" xmlns="" val="10000"/>
                   </a:ext>
                 </a:extLst>
               </a:tr>
@@ -15833,7 +15793,14 @@
                 <a:latin typeface="맑은 고딕" panose="020B0503020000020004" pitchFamily="50" charset="-127"/>
                 <a:ea typeface="맑은 고딕" panose="020B0503020000020004" pitchFamily="50" charset="-127"/>
               </a:rPr>
-              <a:t>분수를 더하거나    빼는 것을 배울 것  같습니다</a:t>
+              <a:t>분수를 더하거나    빼는 것을 배울 것  </a:t>
+            </a:r>
+            <a:r>
+              <a:rPr lang="ko-KR" altLang="en-US" sz="1900" dirty="0" smtClean="0">
+                <a:latin typeface="맑은 고딕" panose="020B0503020000020004" pitchFamily="50" charset="-127"/>
+                <a:ea typeface="맑은 고딕" panose="020B0503020000020004" pitchFamily="50" charset="-127"/>
+              </a:rPr>
+              <a:t>같아요</a:t>
             </a:r>
             <a:r>
               <a:rPr lang="en-US" altLang="ko-KR" sz="1900" dirty="0" smtClean="0">
@@ -16275,14 +16242,14 @@
               <a:defRPr/>
             </a:pPr>
             <a:r>
-              <a:rPr kumimoji="0" lang="en-US" altLang="ko-KR" sz="1000" b="1" smtClean="0">
+              <a:rPr kumimoji="0" lang="en-US" altLang="ko-KR" sz="1000" b="1" dirty="0" smtClean="0">
                 <a:latin typeface="맑은 고딕" pitchFamily="50" charset="-127"/>
                 <a:ea typeface="맑은 고딕" pitchFamily="50" charset="-127"/>
               </a:rPr>
               <a:t>suh_p_0402_01_0001</a:t>
             </a:r>
             <a:r>
-              <a:rPr lang="en-US" altLang="ko-KR" sz="1000" b="1" smtClean="0">
+              <a:rPr lang="en-US" altLang="ko-KR" sz="1000" b="1" dirty="0" smtClean="0">
                 <a:latin typeface="맑은 고딕" pitchFamily="50" charset="-127"/>
                 <a:ea typeface="맑은 고딕" pitchFamily="50" charset="-127"/>
               </a:rPr>
@@ -16300,7 +16267,7 @@
               <a:defRPr/>
             </a:pPr>
             <a:r>
-              <a:rPr lang="ko-KR" altLang="en-US" sz="1000" b="1">
+              <a:rPr lang="ko-KR" altLang="en-US" sz="1000" b="1" dirty="0">
                 <a:solidFill>
                   <a:srgbClr val="FF0000"/>
                 </a:solidFill>
@@ -16310,7 +16277,7 @@
               <a:t>내레이션</a:t>
             </a:r>
             <a:r>
-              <a:rPr lang="en-US" altLang="ko-KR" sz="1000" b="1">
+              <a:rPr lang="en-US" altLang="ko-KR" sz="1000" b="1" dirty="0">
                 <a:solidFill>
                   <a:srgbClr val="FF0000"/>
                 </a:solidFill>
@@ -16320,7 +16287,7 @@
               <a:t>: </a:t>
             </a:r>
             <a:r>
-              <a:rPr lang="ko-KR" altLang="en-US" sz="1000" b="1">
+              <a:rPr lang="ko-KR" altLang="en-US" sz="1000" b="1" dirty="0">
                 <a:solidFill>
                   <a:srgbClr val="FF0000"/>
                 </a:solidFill>
@@ -16330,7 +16297,7 @@
               <a:t>보니 캐릭터</a:t>
             </a:r>
             <a:r>
-              <a:rPr lang="en-US" altLang="ko-KR" sz="1000" b="1">
+              <a:rPr lang="en-US" altLang="ko-KR" sz="1000" b="1" dirty="0">
                 <a:solidFill>
                   <a:srgbClr val="FF0000"/>
                 </a:solidFill>
@@ -16340,7 +16307,7 @@
               <a:t>(</a:t>
             </a:r>
             <a:r>
-              <a:rPr lang="ko-KR" altLang="en-US" sz="1000" b="1">
+              <a:rPr lang="ko-KR" altLang="en-US" sz="1000" b="1" dirty="0">
                 <a:solidFill>
                   <a:srgbClr val="FF0000"/>
                 </a:solidFill>
@@ -16350,7 +16317,7 @@
               <a:t>여</a:t>
             </a:r>
             <a:r>
-              <a:rPr lang="en-US" altLang="ko-KR" sz="1000" b="1">
+              <a:rPr lang="en-US" altLang="ko-KR" sz="1000" b="1" dirty="0">
                 <a:solidFill>
                   <a:srgbClr val="FF0000"/>
                 </a:solidFill>
@@ -16366,7 +16333,7 @@
                 <a:spcPts val="300"/>
               </a:spcBef>
             </a:pPr>
-            <a:endParaRPr lang="en-US" altLang="ko-KR" sz="1000" b="1">
+            <a:endParaRPr lang="en-US" altLang="ko-KR" sz="1000" b="1" dirty="0">
               <a:latin typeface="맑은 고딕" pitchFamily="50" charset="-127"/>
               <a:ea typeface="맑은 고딕" pitchFamily="50" charset="-127"/>
             </a:endParaRPr>
@@ -16374,14 +16341,21 @@
           <a:p>
             <a:pPr algn="just"/>
             <a:r>
-              <a:rPr lang="ko-KR" altLang="en-US" sz="1000">
+              <a:rPr lang="ko-KR" altLang="en-US" sz="1000" dirty="0">
                 <a:latin typeface="맑은 고딕" pitchFamily="50" charset="-127"/>
                 <a:ea typeface="맑은 고딕" pitchFamily="50" charset="-127"/>
               </a:rPr>
-              <a:t>분수를 더하거나 빼는 것을 배울 것 같습니다</a:t>
+              <a:t>분수를 더하거나 빼는 것을 배울 것 </a:t>
             </a:r>
             <a:r>
-              <a:rPr lang="en-US" altLang="ko-KR" sz="1000">
+              <a:rPr lang="ko-KR" altLang="en-US" sz="1000" dirty="0" smtClean="0">
+                <a:latin typeface="맑은 고딕" pitchFamily="50" charset="-127"/>
+                <a:ea typeface="맑은 고딕" pitchFamily="50" charset="-127"/>
+              </a:rPr>
+              <a:t>같아요</a:t>
+            </a:r>
+            <a:r>
+              <a:rPr lang="en-US" altLang="ko-KR" sz="1000" dirty="0" smtClean="0">
                 <a:latin typeface="맑은 고딕" pitchFamily="50" charset="-127"/>
                 <a:ea typeface="맑은 고딕" pitchFamily="50" charset="-127"/>
               </a:rPr>
@@ -16451,7 +16425,7 @@
                 <a:gridCol w="2016125">
                   <a:extLst>
                     <a:ext uri="{9D8B030D-6E8A-4147-A177-3AD203B41FA5}">
-                      <a16:colId xmlns="" xmlns:a16="http://schemas.microsoft.com/office/drawing/2014/main" val="20000"/>
+                      <a16:colId xmlns:a16="http://schemas.microsoft.com/office/drawing/2014/main" xmlns="" val="20000"/>
                     </a:ext>
                   </a:extLst>
                 </a:gridCol>
@@ -16555,7 +16529,7 @@
                 </a:tc>
                 <a:extLst>
                   <a:ext uri="{0D108BD9-81ED-4DB2-BD59-A6C34878D82A}">
-                    <a16:rowId xmlns="" xmlns:a16="http://schemas.microsoft.com/office/drawing/2014/main" val="10000"/>
+                    <a16:rowId xmlns:a16="http://schemas.microsoft.com/office/drawing/2014/main" xmlns="" val="10000"/>
                   </a:ext>
                 </a:extLst>
               </a:tr>
@@ -17189,7 +17163,7 @@
           <p:cNvPr id="18" name="Picture 2">
             <a:extLst>
               <a:ext uri="{FF2B5EF4-FFF2-40B4-BE49-F238E27FC236}">
-                <a16:creationId xmlns="" xmlns:a16="http://schemas.microsoft.com/office/drawing/2014/main" id="{84DB41A1-1ECE-403B-99E5-79113C15088E}"/>
+                <a16:creationId xmlns:a16="http://schemas.microsoft.com/office/drawing/2014/main" xmlns="" id="{84DB41A1-1ECE-403B-99E5-79113C15088E}"/>
               </a:ext>
             </a:extLst>
           </p:cNvPr>
@@ -17249,7 +17223,7 @@
           <p:cNvPr id="19" name="Picture 3">
             <a:extLst>
               <a:ext uri="{FF2B5EF4-FFF2-40B4-BE49-F238E27FC236}">
-                <a16:creationId xmlns="" xmlns:a16="http://schemas.microsoft.com/office/drawing/2014/main" id="{0AC71D46-7AB2-448F-90AF-CAB1CA253652}"/>
+                <a16:creationId xmlns:a16="http://schemas.microsoft.com/office/drawing/2014/main" xmlns="" id="{0AC71D46-7AB2-448F-90AF-CAB1CA253652}"/>
               </a:ext>
             </a:extLst>
           </p:cNvPr>
@@ -17309,7 +17283,7 @@
           <p:cNvPr id="21" name="직사각형 20">
             <a:extLst>
               <a:ext uri="{FF2B5EF4-FFF2-40B4-BE49-F238E27FC236}">
-                <a16:creationId xmlns="" xmlns:a16="http://schemas.microsoft.com/office/drawing/2014/main" id="{D705EC26-53BC-4630-BFF2-0669D3A72D2B}"/>
+                <a16:creationId xmlns:a16="http://schemas.microsoft.com/office/drawing/2014/main" xmlns="" id="{D705EC26-53BC-4630-BFF2-0669D3A72D2B}"/>
               </a:ext>
             </a:extLst>
           </p:cNvPr>
@@ -17354,7 +17328,7 @@
           <p:cNvPr id="25" name="직사각형 24">
             <a:extLst>
               <a:ext uri="{FF2B5EF4-FFF2-40B4-BE49-F238E27FC236}">
-                <a16:creationId xmlns="" xmlns:a16="http://schemas.microsoft.com/office/drawing/2014/main" id="{4AFD3AF0-50B3-4DD8-961D-B95F8C1913DC}"/>
+                <a16:creationId xmlns:a16="http://schemas.microsoft.com/office/drawing/2014/main" xmlns="" id="{4AFD3AF0-50B3-4DD8-961D-B95F8C1913DC}"/>
               </a:ext>
             </a:extLst>
           </p:cNvPr>
@@ -17712,49 +17686,49 @@
                 <a:gridCol w="540184">
                   <a:extLst>
                     <a:ext uri="{9D8B030D-6E8A-4147-A177-3AD203B41FA5}">
-                      <a16:colId xmlns="" xmlns:a16="http://schemas.microsoft.com/office/drawing/2014/main" val="20000"/>
+                      <a16:colId xmlns:a16="http://schemas.microsoft.com/office/drawing/2014/main" xmlns="" val="20000"/>
                     </a:ext>
                   </a:extLst>
                 </a:gridCol>
                 <a:gridCol w="576064">
                   <a:extLst>
                     <a:ext uri="{9D8B030D-6E8A-4147-A177-3AD203B41FA5}">
-                      <a16:colId xmlns="" xmlns:a16="http://schemas.microsoft.com/office/drawing/2014/main" val="20001"/>
+                      <a16:colId xmlns:a16="http://schemas.microsoft.com/office/drawing/2014/main" xmlns="" val="20001"/>
                     </a:ext>
                   </a:extLst>
                 </a:gridCol>
                 <a:gridCol w="2929184">
                   <a:extLst>
                     <a:ext uri="{9D8B030D-6E8A-4147-A177-3AD203B41FA5}">
-                      <a16:colId xmlns="" xmlns:a16="http://schemas.microsoft.com/office/drawing/2014/main" val="20002"/>
+                      <a16:colId xmlns:a16="http://schemas.microsoft.com/office/drawing/2014/main" xmlns="" val="20002"/>
                     </a:ext>
                   </a:extLst>
                 </a:gridCol>
                 <a:gridCol w="675797">
                   <a:extLst>
                     <a:ext uri="{9D8B030D-6E8A-4147-A177-3AD203B41FA5}">
-                      <a16:colId xmlns="" xmlns:a16="http://schemas.microsoft.com/office/drawing/2014/main" val="20003"/>
+                      <a16:colId xmlns:a16="http://schemas.microsoft.com/office/drawing/2014/main" xmlns="" val="20003"/>
                     </a:ext>
                   </a:extLst>
                 </a:gridCol>
                 <a:gridCol w="1277955">
                   <a:extLst>
                     <a:ext uri="{9D8B030D-6E8A-4147-A177-3AD203B41FA5}">
-                      <a16:colId xmlns="" xmlns:a16="http://schemas.microsoft.com/office/drawing/2014/main" val="20004"/>
+                      <a16:colId xmlns:a16="http://schemas.microsoft.com/office/drawing/2014/main" xmlns="" val="20004"/>
                     </a:ext>
                   </a:extLst>
                 </a:gridCol>
                 <a:gridCol w="1789137">
                   <a:extLst>
                     <a:ext uri="{9D8B030D-6E8A-4147-A177-3AD203B41FA5}">
-                      <a16:colId xmlns="" xmlns:a16="http://schemas.microsoft.com/office/drawing/2014/main" val="20005"/>
+                      <a16:colId xmlns:a16="http://schemas.microsoft.com/office/drawing/2014/main" xmlns="" val="20005"/>
                     </a:ext>
                   </a:extLst>
                 </a:gridCol>
                 <a:gridCol w="985851">
                   <a:extLst>
                     <a:ext uri="{9D8B030D-6E8A-4147-A177-3AD203B41FA5}">
-                      <a16:colId xmlns="" xmlns:a16="http://schemas.microsoft.com/office/drawing/2014/main" val="20006"/>
+                      <a16:colId xmlns:a16="http://schemas.microsoft.com/office/drawing/2014/main" xmlns="" val="20006"/>
                     </a:ext>
                   </a:extLst>
                 </a:gridCol>
@@ -18326,7 +18300,7 @@
                 </a:tc>
                 <a:extLst>
                   <a:ext uri="{0D108BD9-81ED-4DB2-BD59-A6C34878D82A}">
-                    <a16:rowId xmlns="" xmlns:a16="http://schemas.microsoft.com/office/drawing/2014/main" val="10000"/>
+                    <a16:rowId xmlns:a16="http://schemas.microsoft.com/office/drawing/2014/main" xmlns="" val="10000"/>
                   </a:ext>
                 </a:extLst>
               </a:tr>
@@ -18990,7 +18964,7 @@
                 </a:tc>
                 <a:extLst>
                   <a:ext uri="{0D108BD9-81ED-4DB2-BD59-A6C34878D82A}">
-                    <a16:rowId xmlns="" xmlns:a16="http://schemas.microsoft.com/office/drawing/2014/main" val="10001"/>
+                    <a16:rowId xmlns:a16="http://schemas.microsoft.com/office/drawing/2014/main" xmlns="" val="10001"/>
                   </a:ext>
                 </a:extLst>
               </a:tr>
@@ -19770,7 +19744,7 @@
                 </a:tc>
                 <a:extLst>
                   <a:ext uri="{0D108BD9-81ED-4DB2-BD59-A6C34878D82A}">
-                    <a16:rowId xmlns="" xmlns:a16="http://schemas.microsoft.com/office/drawing/2014/main" val="10002"/>
+                    <a16:rowId xmlns:a16="http://schemas.microsoft.com/office/drawing/2014/main" xmlns="" val="10002"/>
                   </a:ext>
                 </a:extLst>
               </a:tr>
@@ -20564,7 +20538,7 @@
                 </a:tc>
                 <a:extLst>
                   <a:ext uri="{0D108BD9-81ED-4DB2-BD59-A6C34878D82A}">
-                    <a16:rowId xmlns="" xmlns:a16="http://schemas.microsoft.com/office/drawing/2014/main" val="10003"/>
+                    <a16:rowId xmlns:a16="http://schemas.microsoft.com/office/drawing/2014/main" xmlns="" val="10003"/>
                   </a:ext>
                 </a:extLst>
               </a:tr>
@@ -21316,7 +21290,7 @@
                 </a:tc>
                 <a:extLst>
                   <a:ext uri="{0D108BD9-81ED-4DB2-BD59-A6C34878D82A}">
-                    <a16:rowId xmlns="" xmlns:a16="http://schemas.microsoft.com/office/drawing/2014/main" val="10004"/>
+                    <a16:rowId xmlns:a16="http://schemas.microsoft.com/office/drawing/2014/main" xmlns="" val="10004"/>
                   </a:ext>
                 </a:extLst>
               </a:tr>
@@ -21536,21 +21510,7 @@
                           <a:latin typeface="맑은 고딕" pitchFamily="50" charset="-127"/>
                           <a:ea typeface="맑은 고딕" pitchFamily="50" charset="-127"/>
                         </a:rPr>
-                        <a:t>활동 </a:t>
-                      </a:r>
-                      <a:r>
-                        <a:rPr kumimoji="0" lang="ko-KR" altLang="en-US" sz="1000" b="0" i="0" u="none" strike="noStrike" cap="none" normalizeH="0" baseline="0" dirty="0" smtClean="0">
-                          <a:ln>
-                            <a:noFill/>
-                          </a:ln>
-                          <a:solidFill>
-                            <a:schemeClr val="tx1"/>
-                          </a:solidFill>
-                          <a:effectLst/>
-                          <a:latin typeface="맑은 고딕" pitchFamily="50" charset="-127"/>
-                          <a:ea typeface="맑은 고딕" pitchFamily="50" charset="-127"/>
-                        </a:rPr>
-                        <a:t>＋</a:t>
+                        <a:t>활동 ＋</a:t>
                       </a:r>
                       <a:r>
                         <a:rPr kumimoji="0" lang="en-US" altLang="ko-KR" sz="1000" b="0" i="0" u="none" strike="noStrike" cap="none" normalizeH="0" baseline="0" dirty="0" smtClean="0">
@@ -21984,7 +21944,7 @@
                 </a:tc>
                 <a:extLst>
                   <a:ext uri="{0D108BD9-81ED-4DB2-BD59-A6C34878D82A}">
-                    <a16:rowId xmlns="" xmlns:a16="http://schemas.microsoft.com/office/drawing/2014/main" val="10005"/>
+                    <a16:rowId xmlns:a16="http://schemas.microsoft.com/office/drawing/2014/main" xmlns="" val="10005"/>
                   </a:ext>
                 </a:extLst>
               </a:tr>
@@ -22609,7 +22569,7 @@
                 </a:tc>
                 <a:extLst>
                   <a:ext uri="{0D108BD9-81ED-4DB2-BD59-A6C34878D82A}">
-                    <a16:rowId xmlns="" xmlns:a16="http://schemas.microsoft.com/office/drawing/2014/main" val="10006"/>
+                    <a16:rowId xmlns:a16="http://schemas.microsoft.com/office/drawing/2014/main" xmlns="" val="10006"/>
                   </a:ext>
                 </a:extLst>
               </a:tr>
@@ -23088,7 +23048,7 @@
                 </a:tc>
                 <a:extLst>
                   <a:ext uri="{0D108BD9-81ED-4DB2-BD59-A6C34878D82A}">
-                    <a16:rowId xmlns="" xmlns:a16="http://schemas.microsoft.com/office/drawing/2014/main" val="10007"/>
+                    <a16:rowId xmlns:a16="http://schemas.microsoft.com/office/drawing/2014/main" xmlns="" val="10007"/>
                   </a:ext>
                 </a:extLst>
               </a:tr>
@@ -23148,7 +23108,7 @@
                 <a:gridCol w="2016125">
                   <a:extLst>
                     <a:ext uri="{9D8B030D-6E8A-4147-A177-3AD203B41FA5}">
-                      <a16:colId xmlns="" xmlns:a16="http://schemas.microsoft.com/office/drawing/2014/main" val="20000"/>
+                      <a16:colId xmlns:a16="http://schemas.microsoft.com/office/drawing/2014/main" xmlns="" val="20000"/>
                     </a:ext>
                   </a:extLst>
                 </a:gridCol>
@@ -23252,7 +23212,7 @@
                 </a:tc>
                 <a:extLst>
                   <a:ext uri="{0D108BD9-81ED-4DB2-BD59-A6C34878D82A}">
-                    <a16:rowId xmlns="" xmlns:a16="http://schemas.microsoft.com/office/drawing/2014/main" val="10000"/>
+                    <a16:rowId xmlns:a16="http://schemas.microsoft.com/office/drawing/2014/main" xmlns="" val="10000"/>
                   </a:ext>
                 </a:extLst>
               </a:tr>
@@ -24061,7 +24021,7 @@
                 <a:gridCol w="2016125">
                   <a:extLst>
                     <a:ext uri="{9D8B030D-6E8A-4147-A177-3AD203B41FA5}">
-                      <a16:colId xmlns="" xmlns:a16="http://schemas.microsoft.com/office/drawing/2014/main" val="20000"/>
+                      <a16:colId xmlns:a16="http://schemas.microsoft.com/office/drawing/2014/main" xmlns="" val="20000"/>
                     </a:ext>
                   </a:extLst>
                 </a:gridCol>
@@ -24165,7 +24125,7 @@
                 </a:tc>
                 <a:extLst>
                   <a:ext uri="{0D108BD9-81ED-4DB2-BD59-A6C34878D82A}">
-                    <a16:rowId xmlns="" xmlns:a16="http://schemas.microsoft.com/office/drawing/2014/main" val="10000"/>
+                    <a16:rowId xmlns:a16="http://schemas.microsoft.com/office/drawing/2014/main" xmlns="" val="10000"/>
                   </a:ext>
                 </a:extLst>
               </a:tr>
@@ -24373,14 +24333,14 @@
                 <a:gridCol w="858104">
                   <a:extLst>
                     <a:ext uri="{9D8B030D-6E8A-4147-A177-3AD203B41FA5}">
-                      <a16:colId xmlns="" xmlns:a16="http://schemas.microsoft.com/office/drawing/2014/main" val="20000"/>
+                      <a16:colId xmlns:a16="http://schemas.microsoft.com/office/drawing/2014/main" xmlns="" val="20000"/>
                     </a:ext>
                   </a:extLst>
                 </a:gridCol>
                 <a:gridCol w="2722200">
                   <a:extLst>
                     <a:ext uri="{9D8B030D-6E8A-4147-A177-3AD203B41FA5}">
-                      <a16:colId xmlns="" xmlns:a16="http://schemas.microsoft.com/office/drawing/2014/main" val="20001"/>
+                      <a16:colId xmlns:a16="http://schemas.microsoft.com/office/drawing/2014/main" xmlns="" val="20001"/>
                     </a:ext>
                   </a:extLst>
                 </a:gridCol>
@@ -24548,7 +24508,7 @@
                 </a:tc>
                 <a:extLst>
                   <a:ext uri="{0D108BD9-81ED-4DB2-BD59-A6C34878D82A}">
-                    <a16:rowId xmlns="" xmlns:a16="http://schemas.microsoft.com/office/drawing/2014/main" val="10000"/>
+                    <a16:rowId xmlns:a16="http://schemas.microsoft.com/office/drawing/2014/main" xmlns="" val="10000"/>
                   </a:ext>
                 </a:extLst>
               </a:tr>
@@ -25404,7 +25364,7 @@
                 <a:gridCol w="2016125">
                   <a:extLst>
                     <a:ext uri="{9D8B030D-6E8A-4147-A177-3AD203B41FA5}">
-                      <a16:colId xmlns="" xmlns:a16="http://schemas.microsoft.com/office/drawing/2014/main" val="20000"/>
+                      <a16:colId xmlns:a16="http://schemas.microsoft.com/office/drawing/2014/main" xmlns="" val="20000"/>
                     </a:ext>
                   </a:extLst>
                 </a:gridCol>
@@ -25508,7 +25468,7 @@
                 </a:tc>
                 <a:extLst>
                   <a:ext uri="{0D108BD9-81ED-4DB2-BD59-A6C34878D82A}">
-                    <a16:rowId xmlns="" xmlns:a16="http://schemas.microsoft.com/office/drawing/2014/main" val="10000"/>
+                    <a16:rowId xmlns:a16="http://schemas.microsoft.com/office/drawing/2014/main" xmlns="" val="10000"/>
                   </a:ext>
                 </a:extLst>
               </a:tr>
@@ -26543,14 +26503,14 @@
                 <a:gridCol w="858104">
                   <a:extLst>
                     <a:ext uri="{9D8B030D-6E8A-4147-A177-3AD203B41FA5}">
-                      <a16:colId xmlns="" xmlns:a16="http://schemas.microsoft.com/office/drawing/2014/main" val="20000"/>
+                      <a16:colId xmlns:a16="http://schemas.microsoft.com/office/drawing/2014/main" xmlns="" val="20000"/>
                     </a:ext>
                   </a:extLst>
                 </a:gridCol>
                 <a:gridCol w="5830760">
                   <a:extLst>
                     <a:ext uri="{9D8B030D-6E8A-4147-A177-3AD203B41FA5}">
-                      <a16:colId xmlns="" xmlns:a16="http://schemas.microsoft.com/office/drawing/2014/main" val="20001"/>
+                      <a16:colId xmlns:a16="http://schemas.microsoft.com/office/drawing/2014/main" xmlns="" val="20001"/>
                     </a:ext>
                   </a:extLst>
                 </a:gridCol>
@@ -26829,7 +26789,7 @@
                 </a:tc>
                 <a:extLst>
                   <a:ext uri="{0D108BD9-81ED-4DB2-BD59-A6C34878D82A}">
-                    <a16:rowId xmlns="" xmlns:a16="http://schemas.microsoft.com/office/drawing/2014/main" val="10000"/>
+                    <a16:rowId xmlns:a16="http://schemas.microsoft.com/office/drawing/2014/main" xmlns="" val="10000"/>
                   </a:ext>
                 </a:extLst>
               </a:tr>
@@ -27951,7 +27911,7 @@
           <p:cNvPr id="62" name="그림 61">
             <a:extLst>
               <a:ext uri="{FF2B5EF4-FFF2-40B4-BE49-F238E27FC236}">
-                <a16:creationId xmlns="" xmlns:a16="http://schemas.microsoft.com/office/drawing/2014/main" id="{DEEB3194-430D-4A4E-8DEF-5B08710B8A78}"/>
+                <a16:creationId xmlns:a16="http://schemas.microsoft.com/office/drawing/2014/main" xmlns="" id="{DEEB3194-430D-4A4E-8DEF-5B08710B8A78}"/>
               </a:ext>
             </a:extLst>
           </p:cNvPr>
@@ -28220,7 +28180,7 @@
                 <a:gridCol w="2016125">
                   <a:extLst>
                     <a:ext uri="{9D8B030D-6E8A-4147-A177-3AD203B41FA5}">
-                      <a16:colId xmlns="" xmlns:a16="http://schemas.microsoft.com/office/drawing/2014/main" val="20000"/>
+                      <a16:colId xmlns:a16="http://schemas.microsoft.com/office/drawing/2014/main" xmlns="" val="20000"/>
                     </a:ext>
                   </a:extLst>
                 </a:gridCol>
@@ -28324,7 +28284,7 @@
                 </a:tc>
                 <a:extLst>
                   <a:ext uri="{0D108BD9-81ED-4DB2-BD59-A6C34878D82A}">
-                    <a16:rowId xmlns="" xmlns:a16="http://schemas.microsoft.com/office/drawing/2014/main" val="10000"/>
+                    <a16:rowId xmlns:a16="http://schemas.microsoft.com/office/drawing/2014/main" xmlns="" val="10000"/>
                   </a:ext>
                 </a:extLst>
               </a:tr>
@@ -28933,7 +28893,7 @@
                 <a:gridCol w="2016125">
                   <a:extLst>
                     <a:ext uri="{9D8B030D-6E8A-4147-A177-3AD203B41FA5}">
-                      <a16:colId xmlns="" xmlns:a16="http://schemas.microsoft.com/office/drawing/2014/main" val="20000"/>
+                      <a16:colId xmlns:a16="http://schemas.microsoft.com/office/drawing/2014/main" xmlns="" val="20000"/>
                     </a:ext>
                   </a:extLst>
                 </a:gridCol>
@@ -29037,7 +28997,7 @@
                 </a:tc>
                 <a:extLst>
                   <a:ext uri="{0D108BD9-81ED-4DB2-BD59-A6C34878D82A}">
-                    <a16:rowId xmlns="" xmlns:a16="http://schemas.microsoft.com/office/drawing/2014/main" val="10000"/>
+                    <a16:rowId xmlns:a16="http://schemas.microsoft.com/office/drawing/2014/main" xmlns="" val="10000"/>
                   </a:ext>
                 </a:extLst>
               </a:tr>
@@ -31008,7 +30968,7 @@
           <p:cNvPr id="39" name="그림 38">
             <a:extLst>
               <a:ext uri="{FF2B5EF4-FFF2-40B4-BE49-F238E27FC236}">
-                <a16:creationId xmlns="" xmlns:a16="http://schemas.microsoft.com/office/drawing/2014/main" id="{DEEB3194-430D-4A4E-8DEF-5B08710B8A78}"/>
+                <a16:creationId xmlns:a16="http://schemas.microsoft.com/office/drawing/2014/main" xmlns="" id="{DEEB3194-430D-4A4E-8DEF-5B08710B8A78}"/>
               </a:ext>
             </a:extLst>
           </p:cNvPr>
@@ -31242,7 +31202,7 @@
                 <a:gridCol w="2016125">
                   <a:extLst>
                     <a:ext uri="{9D8B030D-6E8A-4147-A177-3AD203B41FA5}">
-                      <a16:colId xmlns="" xmlns:a16="http://schemas.microsoft.com/office/drawing/2014/main" val="20000"/>
+                      <a16:colId xmlns:a16="http://schemas.microsoft.com/office/drawing/2014/main" xmlns="" val="20000"/>
                     </a:ext>
                   </a:extLst>
                 </a:gridCol>
@@ -31346,7 +31306,7 @@
                 </a:tc>
                 <a:extLst>
                   <a:ext uri="{0D108BD9-81ED-4DB2-BD59-A6C34878D82A}">
-                    <a16:rowId xmlns="" xmlns:a16="http://schemas.microsoft.com/office/drawing/2014/main" val="10000"/>
+                    <a16:rowId xmlns:a16="http://schemas.microsoft.com/office/drawing/2014/main" xmlns="" val="10000"/>
                   </a:ext>
                 </a:extLst>
               </a:tr>
@@ -33315,7 +33275,7 @@
           <p:cNvPr id="39" name="그림 38">
             <a:extLst>
               <a:ext uri="{FF2B5EF4-FFF2-40B4-BE49-F238E27FC236}">
-                <a16:creationId xmlns="" xmlns:a16="http://schemas.microsoft.com/office/drawing/2014/main" id="{DEEB3194-430D-4A4E-8DEF-5B08710B8A78}"/>
+                <a16:creationId xmlns:a16="http://schemas.microsoft.com/office/drawing/2014/main" xmlns="" id="{DEEB3194-430D-4A4E-8DEF-5B08710B8A78}"/>
               </a:ext>
             </a:extLst>
           </p:cNvPr>
@@ -33345,7 +33305,7 @@
           <p:cNvPr id="41" name="표 40">
             <a:extLst>
               <a:ext uri="{FF2B5EF4-FFF2-40B4-BE49-F238E27FC236}">
-                <a16:creationId xmlns="" xmlns:a16="http://schemas.microsoft.com/office/drawing/2014/main" id="{7495F621-B252-49CB-BB98-60446A69B406}"/>
+                <a16:creationId xmlns:a16="http://schemas.microsoft.com/office/drawing/2014/main" xmlns="" id="{7495F621-B252-49CB-BB98-60446A69B406}"/>
               </a:ext>
             </a:extLst>
           </p:cNvPr>
@@ -33375,7 +33335,7 @@
                 <a:gridCol w="288032">
                   <a:extLst>
                     <a:ext uri="{9D8B030D-6E8A-4147-A177-3AD203B41FA5}">
-                      <a16:colId xmlns="" xmlns:a16="http://schemas.microsoft.com/office/drawing/2014/main" val="20000"/>
+                      <a16:colId xmlns:a16="http://schemas.microsoft.com/office/drawing/2014/main" xmlns="" val="20000"/>
                     </a:ext>
                   </a:extLst>
                 </a:gridCol>
@@ -33460,7 +33420,7 @@
                 </a:tc>
                 <a:extLst>
                   <a:ext uri="{0D108BD9-81ED-4DB2-BD59-A6C34878D82A}">
-                    <a16:rowId xmlns="" xmlns:a16="http://schemas.microsoft.com/office/drawing/2014/main" val="10000"/>
+                    <a16:rowId xmlns:a16="http://schemas.microsoft.com/office/drawing/2014/main" xmlns="" val="10000"/>
                   </a:ext>
                 </a:extLst>
               </a:tr>
@@ -33544,7 +33504,7 @@
                 </a:tc>
                 <a:extLst>
                   <a:ext uri="{0D108BD9-81ED-4DB2-BD59-A6C34878D82A}">
-                    <a16:rowId xmlns="" xmlns:a16="http://schemas.microsoft.com/office/drawing/2014/main" val="10001"/>
+                    <a16:rowId xmlns:a16="http://schemas.microsoft.com/office/drawing/2014/main" xmlns="" val="10001"/>
                   </a:ext>
                 </a:extLst>
               </a:tr>
@@ -33557,7 +33517,7 @@
           <p:cNvPr id="43" name="표 42">
             <a:extLst>
               <a:ext uri="{FF2B5EF4-FFF2-40B4-BE49-F238E27FC236}">
-                <a16:creationId xmlns="" xmlns:a16="http://schemas.microsoft.com/office/drawing/2014/main" id="{7495F621-B252-49CB-BB98-60446A69B406}"/>
+                <a16:creationId xmlns:a16="http://schemas.microsoft.com/office/drawing/2014/main" xmlns="" id="{7495F621-B252-49CB-BB98-60446A69B406}"/>
               </a:ext>
             </a:extLst>
           </p:cNvPr>
@@ -33587,7 +33547,7 @@
                 <a:gridCol w="288032">
                   <a:extLst>
                     <a:ext uri="{9D8B030D-6E8A-4147-A177-3AD203B41FA5}">
-                      <a16:colId xmlns="" xmlns:a16="http://schemas.microsoft.com/office/drawing/2014/main" val="20000"/>
+                      <a16:colId xmlns:a16="http://schemas.microsoft.com/office/drawing/2014/main" xmlns="" val="20000"/>
                     </a:ext>
                   </a:extLst>
                 </a:gridCol>
@@ -33672,7 +33632,7 @@
                 </a:tc>
                 <a:extLst>
                   <a:ext uri="{0D108BD9-81ED-4DB2-BD59-A6C34878D82A}">
-                    <a16:rowId xmlns="" xmlns:a16="http://schemas.microsoft.com/office/drawing/2014/main" val="10000"/>
+                    <a16:rowId xmlns:a16="http://schemas.microsoft.com/office/drawing/2014/main" xmlns="" val="10000"/>
                   </a:ext>
                 </a:extLst>
               </a:tr>
@@ -33756,7 +33716,7 @@
                 </a:tc>
                 <a:extLst>
                   <a:ext uri="{0D108BD9-81ED-4DB2-BD59-A6C34878D82A}">
-                    <a16:rowId xmlns="" xmlns:a16="http://schemas.microsoft.com/office/drawing/2014/main" val="10001"/>
+                    <a16:rowId xmlns:a16="http://schemas.microsoft.com/office/drawing/2014/main" xmlns="" val="10001"/>
                   </a:ext>
                 </a:extLst>
               </a:tr>
@@ -33973,7 +33933,7 @@
                 <a:gridCol w="2016125">
                   <a:extLst>
                     <a:ext uri="{9D8B030D-6E8A-4147-A177-3AD203B41FA5}">
-                      <a16:colId xmlns="" xmlns:a16="http://schemas.microsoft.com/office/drawing/2014/main" val="20000"/>
+                      <a16:colId xmlns:a16="http://schemas.microsoft.com/office/drawing/2014/main" xmlns="" val="20000"/>
                     </a:ext>
                   </a:extLst>
                 </a:gridCol>
@@ -34077,7 +34037,7 @@
                 </a:tc>
                 <a:extLst>
                   <a:ext uri="{0D108BD9-81ED-4DB2-BD59-A6C34878D82A}">
-                    <a16:rowId xmlns="" xmlns:a16="http://schemas.microsoft.com/office/drawing/2014/main" val="10000"/>
+                    <a16:rowId xmlns:a16="http://schemas.microsoft.com/office/drawing/2014/main" xmlns="" val="10000"/>
                   </a:ext>
                 </a:extLst>
               </a:tr>
@@ -36055,7 +36015,7 @@
           <p:cNvPr id="39" name="그림 38">
             <a:extLst>
               <a:ext uri="{FF2B5EF4-FFF2-40B4-BE49-F238E27FC236}">
-                <a16:creationId xmlns="" xmlns:a16="http://schemas.microsoft.com/office/drawing/2014/main" id="{DEEB3194-430D-4A4E-8DEF-5B08710B8A78}"/>
+                <a16:creationId xmlns:a16="http://schemas.microsoft.com/office/drawing/2014/main" xmlns="" id="{DEEB3194-430D-4A4E-8DEF-5B08710B8A78}"/>
               </a:ext>
             </a:extLst>
           </p:cNvPr>
@@ -36085,7 +36045,7 @@
           <p:cNvPr id="43" name="표 42">
             <a:extLst>
               <a:ext uri="{FF2B5EF4-FFF2-40B4-BE49-F238E27FC236}">
-                <a16:creationId xmlns="" xmlns:a16="http://schemas.microsoft.com/office/drawing/2014/main" id="{7495F621-B252-49CB-BB98-60446A69B406}"/>
+                <a16:creationId xmlns:a16="http://schemas.microsoft.com/office/drawing/2014/main" xmlns="" id="{7495F621-B252-49CB-BB98-60446A69B406}"/>
               </a:ext>
             </a:extLst>
           </p:cNvPr>
@@ -36115,7 +36075,7 @@
                 <a:gridCol w="288032">
                   <a:extLst>
                     <a:ext uri="{9D8B030D-6E8A-4147-A177-3AD203B41FA5}">
-                      <a16:colId xmlns="" xmlns:a16="http://schemas.microsoft.com/office/drawing/2014/main" val="20000"/>
+                      <a16:colId xmlns:a16="http://schemas.microsoft.com/office/drawing/2014/main" xmlns="" val="20000"/>
                     </a:ext>
                   </a:extLst>
                 </a:gridCol>
@@ -36200,7 +36160,7 @@
                 </a:tc>
                 <a:extLst>
                   <a:ext uri="{0D108BD9-81ED-4DB2-BD59-A6C34878D82A}">
-                    <a16:rowId xmlns="" xmlns:a16="http://schemas.microsoft.com/office/drawing/2014/main" val="10000"/>
+                    <a16:rowId xmlns:a16="http://schemas.microsoft.com/office/drawing/2014/main" xmlns="" val="10000"/>
                   </a:ext>
                 </a:extLst>
               </a:tr>
@@ -36284,7 +36244,7 @@
                 </a:tc>
                 <a:extLst>
                   <a:ext uri="{0D108BD9-81ED-4DB2-BD59-A6C34878D82A}">
-                    <a16:rowId xmlns="" xmlns:a16="http://schemas.microsoft.com/office/drawing/2014/main" val="10001"/>
+                    <a16:rowId xmlns:a16="http://schemas.microsoft.com/office/drawing/2014/main" xmlns="" val="10001"/>
                   </a:ext>
                 </a:extLst>
               </a:tr>
@@ -36556,7 +36516,7 @@
           <p:cNvPr id="59" name="표 58">
             <a:extLst>
               <a:ext uri="{FF2B5EF4-FFF2-40B4-BE49-F238E27FC236}">
-                <a16:creationId xmlns="" xmlns:a16="http://schemas.microsoft.com/office/drawing/2014/main" id="{7495F621-B252-49CB-BB98-60446A69B406}"/>
+                <a16:creationId xmlns:a16="http://schemas.microsoft.com/office/drawing/2014/main" xmlns="" id="{7495F621-B252-49CB-BB98-60446A69B406}"/>
               </a:ext>
             </a:extLst>
           </p:cNvPr>
@@ -36586,7 +36546,7 @@
                 <a:gridCol w="288032">
                   <a:extLst>
                     <a:ext uri="{9D8B030D-6E8A-4147-A177-3AD203B41FA5}">
-                      <a16:colId xmlns="" xmlns:a16="http://schemas.microsoft.com/office/drawing/2014/main" val="20000"/>
+                      <a16:colId xmlns:a16="http://schemas.microsoft.com/office/drawing/2014/main" xmlns="" val="20000"/>
                     </a:ext>
                   </a:extLst>
                 </a:gridCol>
@@ -36671,7 +36631,7 @@
                 </a:tc>
                 <a:extLst>
                   <a:ext uri="{0D108BD9-81ED-4DB2-BD59-A6C34878D82A}">
-                    <a16:rowId xmlns="" xmlns:a16="http://schemas.microsoft.com/office/drawing/2014/main" val="10000"/>
+                    <a16:rowId xmlns:a16="http://schemas.microsoft.com/office/drawing/2014/main" xmlns="" val="10000"/>
                   </a:ext>
                 </a:extLst>
               </a:tr>
@@ -36755,7 +36715,7 @@
                 </a:tc>
                 <a:extLst>
                   <a:ext uri="{0D108BD9-81ED-4DB2-BD59-A6C34878D82A}">
-                    <a16:rowId xmlns="" xmlns:a16="http://schemas.microsoft.com/office/drawing/2014/main" val="10001"/>
+                    <a16:rowId xmlns:a16="http://schemas.microsoft.com/office/drawing/2014/main" xmlns="" val="10001"/>
                   </a:ext>
                 </a:extLst>
               </a:tr>
@@ -36768,7 +36728,7 @@
           <p:cNvPr id="60" name="표 59">
             <a:extLst>
               <a:ext uri="{FF2B5EF4-FFF2-40B4-BE49-F238E27FC236}">
-                <a16:creationId xmlns="" xmlns:a16="http://schemas.microsoft.com/office/drawing/2014/main" id="{7495F621-B252-49CB-BB98-60446A69B406}"/>
+                <a16:creationId xmlns:a16="http://schemas.microsoft.com/office/drawing/2014/main" xmlns="" id="{7495F621-B252-49CB-BB98-60446A69B406}"/>
               </a:ext>
             </a:extLst>
           </p:cNvPr>
@@ -36798,7 +36758,7 @@
                 <a:gridCol w="288032">
                   <a:extLst>
                     <a:ext uri="{9D8B030D-6E8A-4147-A177-3AD203B41FA5}">
-                      <a16:colId xmlns="" xmlns:a16="http://schemas.microsoft.com/office/drawing/2014/main" val="20000"/>
+                      <a16:colId xmlns:a16="http://schemas.microsoft.com/office/drawing/2014/main" xmlns="" val="20000"/>
                     </a:ext>
                   </a:extLst>
                 </a:gridCol>
@@ -36883,7 +36843,7 @@
                 </a:tc>
                 <a:extLst>
                   <a:ext uri="{0D108BD9-81ED-4DB2-BD59-A6C34878D82A}">
-                    <a16:rowId xmlns="" xmlns:a16="http://schemas.microsoft.com/office/drawing/2014/main" val="10000"/>
+                    <a16:rowId xmlns:a16="http://schemas.microsoft.com/office/drawing/2014/main" xmlns="" val="10000"/>
                   </a:ext>
                 </a:extLst>
               </a:tr>
@@ -36967,7 +36927,7 @@
                 </a:tc>
                 <a:extLst>
                   <a:ext uri="{0D108BD9-81ED-4DB2-BD59-A6C34878D82A}">
-                    <a16:rowId xmlns="" xmlns:a16="http://schemas.microsoft.com/office/drawing/2014/main" val="10001"/>
+                    <a16:rowId xmlns:a16="http://schemas.microsoft.com/office/drawing/2014/main" xmlns="" val="10001"/>
                   </a:ext>
                 </a:extLst>
               </a:tr>
@@ -36980,7 +36940,7 @@
           <p:cNvPr id="46" name="그림 45">
             <a:extLst>
               <a:ext uri="{FF2B5EF4-FFF2-40B4-BE49-F238E27FC236}">
-                <a16:creationId xmlns="" xmlns:a16="http://schemas.microsoft.com/office/drawing/2014/main" id="{DEEB3194-430D-4A4E-8DEF-5B08710B8A78}"/>
+                <a16:creationId xmlns:a16="http://schemas.microsoft.com/office/drawing/2014/main" xmlns="" id="{DEEB3194-430D-4A4E-8DEF-5B08710B8A78}"/>
               </a:ext>
             </a:extLst>
           </p:cNvPr>
